--- a/Project/발표.pptx
+++ b/Project/발표.pptx
@@ -11,6 +11,7 @@
     <p:sldId id="263" r:id="rId5"/>
     <p:sldId id="261" r:id="rId6"/>
     <p:sldId id="262" r:id="rId7"/>
+    <p:sldId id="264" r:id="rId8"/>
   </p:sldIdLst>
   <p:sldSz cx="12192000" cy="6858000"/>
   <p:notesSz cx="6858000" cy="9144000"/>
@@ -3026,8 +3027,8 @@
         </p:nvSpPr>
         <p:spPr>
           <a:xfrm>
-            <a:off x="7966129" y="1662203"/>
-            <a:ext cx="6680770" cy="461665"/>
+            <a:off x="9147095" y="1758387"/>
+            <a:ext cx="6680770" cy="1200329"/>
           </a:xfrm>
           <a:prstGeom prst="rect">
             <a:avLst/>
@@ -3045,15 +3046,52 @@
                 <a:solidFill>
                   <a:srgbClr val="FF0000"/>
                 </a:solidFill>
-                <a:latin typeface="Broadway" panose="04040905080B02020502" pitchFamily="82" charset="0"/>
-              </a:rPr>
-              <a:t>Window  Programming Final Project</a:t>
+                <a:latin typeface="BlackChancery" pitchFamily="2" charset="0"/>
+              </a:rPr>
+              <a:t>Window  </a:t>
+            </a:r>
+            <a:endParaRPr lang="en-US" altLang="ko-KR" sz="2400" dirty="0" smtClean="0">
+              <a:solidFill>
+                <a:srgbClr val="FF0000"/>
+              </a:solidFill>
+              <a:latin typeface="BlackChancery" pitchFamily="2" charset="0"/>
+            </a:endParaRPr>
+          </a:p>
+          <a:p>
+            <a:r>
+              <a:rPr lang="en-US" altLang="ko-KR" sz="2400" dirty="0" smtClean="0">
+                <a:solidFill>
+                  <a:srgbClr val="FF0000"/>
+                </a:solidFill>
+                <a:latin typeface="BlackChancery" pitchFamily="2" charset="0"/>
+              </a:rPr>
+              <a:t>Programming</a:t>
+            </a:r>
+          </a:p>
+          <a:p>
+            <a:r>
+              <a:rPr lang="en-US" altLang="ko-KR" sz="2400" dirty="0" smtClean="0">
+                <a:solidFill>
+                  <a:srgbClr val="FF0000"/>
+                </a:solidFill>
+                <a:latin typeface="BlackChancery" pitchFamily="2" charset="0"/>
+              </a:rPr>
+              <a:t>Final </a:t>
+            </a:r>
+            <a:r>
+              <a:rPr lang="en-US" altLang="ko-KR" sz="2400" dirty="0" smtClean="0">
+                <a:solidFill>
+                  <a:srgbClr val="FF0000"/>
+                </a:solidFill>
+                <a:latin typeface="BlackChancery" pitchFamily="2" charset="0"/>
+              </a:rPr>
+              <a:t>Project</a:t>
             </a:r>
             <a:endParaRPr lang="ko-KR" altLang="en-US" sz="2400" dirty="0">
               <a:solidFill>
                 <a:srgbClr val="FF0000"/>
               </a:solidFill>
-              <a:latin typeface="Broadway" panose="04040905080B02020502" pitchFamily="82" charset="0"/>
+              <a:latin typeface="BlackChancery" pitchFamily="2" charset="0"/>
             </a:endParaRPr>
           </a:p>
         </p:txBody>
@@ -3136,17 +3174,20 @@
           <a:lstStyle/>
           <a:p>
             <a:r>
-              <a:rPr lang="en-US" altLang="ko-KR" dirty="0">
+              <a:rPr lang="en-US" altLang="ko-KR" dirty="0" smtClean="0">
                 <a:latin typeface="Algerian" panose="04020705040A02060702" pitchFamily="82" charset="0"/>
               </a:rPr>
-              <a:t>2016182026</a:t>
-            </a:r>
-            <a:r>
-              <a:rPr lang="ko-KR" altLang="en-US" dirty="0">
+              <a:t>2016182026 </a:t>
+            </a:r>
+            <a:r>
+              <a:rPr lang="ko-KR" altLang="en-US" dirty="0" smtClean="0">
                 <a:latin typeface="Algerian" panose="04020705040A02060702" pitchFamily="82" charset="0"/>
               </a:rPr>
               <a:t>이동수</a:t>
             </a:r>
+            <a:endParaRPr lang="ko-KR" altLang="en-US" dirty="0">
+              <a:latin typeface="Algerian" panose="04020705040A02060702" pitchFamily="82" charset="0"/>
+            </a:endParaRPr>
           </a:p>
         </p:txBody>
       </p:sp>
@@ -3183,7 +3224,7 @@
         </p:blipFill>
         <p:spPr>
           <a:xfrm>
-            <a:off x="4349020" y="2530598"/>
+            <a:off x="4050592" y="2530598"/>
             <a:ext cx="7046022" cy="3900330"/>
           </a:xfrm>
           <a:prstGeom prst="rect">
@@ -3324,6 +3365,13 @@
   <p:clrMapOvr>
     <a:masterClrMapping/>
   </p:clrMapOvr>
+  <p:timing>
+    <p:tnLst>
+      <p:par>
+        <p:cTn id="1" dur="indefinite" restart="never" nodeType="tmRoot"/>
+      </p:par>
+    </p:tnLst>
+  </p:timing>
 </p:sld>
 </file>
 
@@ -3904,6 +3952,13 @@
   <p:clrMapOvr>
     <a:masterClrMapping/>
   </p:clrMapOvr>
+  <p:timing>
+    <p:tnLst>
+      <p:par>
+        <p:cTn id="1" dur="indefinite" restart="never" nodeType="tmRoot"/>
+      </p:par>
+    </p:tnLst>
+  </p:timing>
 </p:sld>
 </file>
 
@@ -4044,6 +4099,16 @@
               <a:t>2. </a:t>
             </a:r>
             <a:r>
+              <a:rPr lang="ko-KR" altLang="en-US" smtClean="0">
+                <a:solidFill>
+                  <a:srgbClr val="FF0000"/>
+                </a:solidFill>
+                <a:latin typeface="HY목각파임B" panose="02030600000101010101" pitchFamily="18" charset="-127"/>
+                <a:ea typeface="HY목각파임B" panose="02030600000101010101" pitchFamily="18" charset="-127"/>
+              </a:rPr>
+              <a:t>메인 </a:t>
+            </a:r>
+            <a:r>
               <a:rPr lang="ko-KR" altLang="en-US">
                 <a:solidFill>
                   <a:srgbClr val="FF0000"/>
@@ -4051,7 +4116,7 @@
                 <a:latin typeface="HY목각파임B" panose="02030600000101010101" pitchFamily="18" charset="-127"/>
                 <a:ea typeface="HY목각파임B" panose="02030600000101010101" pitchFamily="18" charset="-127"/>
               </a:rPr>
-              <a:t>메뉴 화면</a:t>
+              <a:t>화면</a:t>
             </a:r>
             <a:endParaRPr lang="ko-KR" altLang="en-US" dirty="0">
               <a:solidFill>
@@ -4241,60 +4306,6 @@
           </a:p>
         </p:txBody>
       </p:sp>
-      <p:pic>
-        <p:nvPicPr>
-          <p:cNvPr id="1027" name="Picture 3"/>
-          <p:cNvPicPr>
-            <a:picLocks noChangeAspect="1" noChangeArrowheads="1"/>
-          </p:cNvPicPr>
-          <p:nvPr/>
-        </p:nvPicPr>
-        <p:blipFill>
-          <a:blip r:embed="rId5" cstate="print">
-            <a:extLst>
-              <a:ext uri="{28A0092B-C50C-407E-A947-70E740481C1C}">
-                <a14:useLocalDpi xmlns:a14="http://schemas.microsoft.com/office/drawing/2010/main" val="0"/>
-              </a:ext>
-            </a:extLst>
-          </a:blip>
-          <a:srcRect/>
-          <a:stretch>
-            <a:fillRect/>
-          </a:stretch>
-        </p:blipFill>
-        <p:spPr bwMode="auto">
-          <a:xfrm>
-            <a:off x="4819973" y="456125"/>
-            <a:ext cx="2898000" cy="1902711"/>
-          </a:xfrm>
-          <a:prstGeom prst="rect">
-            <a:avLst/>
-          </a:prstGeom>
-          <a:noFill/>
-          <a:ln>
-            <a:noFill/>
-          </a:ln>
-          <a:extLst>
-            <a:ext uri="{909E8E84-426E-40DD-AFC4-6F175D3DCCD1}">
-              <a14:hiddenFill xmlns:a14="http://schemas.microsoft.com/office/drawing/2010/main">
-                <a:solidFill>
-                  <a:schemeClr val="accent1"/>
-                </a:solidFill>
-              </a14:hiddenFill>
-            </a:ext>
-            <a:ext uri="{91240B29-F687-4F45-9708-019B960494DF}">
-              <a14:hiddenLine xmlns:a14="http://schemas.microsoft.com/office/drawing/2010/main" w="9525">
-                <a:solidFill>
-                  <a:schemeClr val="tx1"/>
-                </a:solidFill>
-                <a:miter lim="800000"/>
-                <a:headEnd/>
-                <a:tailEnd/>
-              </a14:hiddenLine>
-            </a:ext>
-          </a:extLst>
-        </p:spPr>
-      </p:pic>
       <p:sp>
         <p:nvSpPr>
           <p:cNvPr id="6" name="TextBox 5"/>
@@ -4347,6 +4358,28 @@
           </a:p>
         </p:txBody>
       </p:sp>
+      <p:pic>
+        <p:nvPicPr>
+          <p:cNvPr id="11" name="그림 10"/>
+          <p:cNvPicPr/>
+          <p:nvPr/>
+        </p:nvPicPr>
+        <p:blipFill>
+          <a:blip r:embed="rId5"/>
+          <a:stretch>
+            <a:fillRect/>
+          </a:stretch>
+        </p:blipFill>
+        <p:spPr>
+          <a:xfrm>
+            <a:off x="4819973" y="456125"/>
+            <a:ext cx="2898000" cy="1890718"/>
+          </a:xfrm>
+          <a:prstGeom prst="rect">
+            <a:avLst/>
+          </a:prstGeom>
+        </p:spPr>
+      </p:pic>
     </p:spTree>
     <p:extLst>
       <p:ext uri="{BB962C8B-B14F-4D97-AF65-F5344CB8AC3E}">
@@ -4357,6 +4390,13 @@
   <p:clrMapOvr>
     <a:masterClrMapping/>
   </p:clrMapOvr>
+  <p:timing>
+    <p:tnLst>
+      <p:par>
+        <p:cTn id="1" dur="indefinite" restart="never" nodeType="tmRoot"/>
+      </p:par>
+    </p:tnLst>
+  </p:timing>
 </p:sld>
 </file>
 
@@ -5467,6 +5507,157 @@
   <p:clrMapOvr>
     <a:masterClrMapping/>
   </p:clrMapOvr>
+</p:sld>
+</file>
+
+<file path=ppt/slides/slide7.xml><?xml version="1.0" encoding="utf-8"?>
+<p:sld xmlns:a="http://schemas.openxmlformats.org/drawingml/2006/main" xmlns:r="http://schemas.openxmlformats.org/officeDocument/2006/relationships" xmlns:p="http://schemas.openxmlformats.org/presentationml/2006/main">
+  <p:cSld>
+    <p:spTree>
+      <p:nvGrpSpPr>
+        <p:cNvPr id="1" name=""/>
+        <p:cNvGrpSpPr/>
+        <p:nvPr/>
+      </p:nvGrpSpPr>
+      <p:grpSpPr>
+        <a:xfrm>
+          <a:off x="0" y="0"/>
+          <a:ext cx="0" cy="0"/>
+          <a:chOff x="0" y="0"/>
+          <a:chExt cx="0" cy="0"/>
+        </a:xfrm>
+      </p:grpSpPr>
+      <p:sp>
+        <p:nvSpPr>
+          <p:cNvPr id="4" name="TextBox 3"/>
+          <p:cNvSpPr txBox="1"/>
+          <p:nvPr/>
+        </p:nvSpPr>
+        <p:spPr>
+          <a:xfrm>
+            <a:off x="4037308" y="2850897"/>
+            <a:ext cx="3254644" cy="1200329"/>
+          </a:xfrm>
+          <a:prstGeom prst="rect">
+            <a:avLst/>
+          </a:prstGeom>
+          <a:noFill/>
+        </p:spPr>
+        <p:txBody>
+          <a:bodyPr wrap="square" rtlCol="0">
+            <a:spAutoFit/>
+          </a:bodyPr>
+          <a:lstStyle/>
+          <a:p>
+            <a:pPr algn="ctr"/>
+            <a:r>
+              <a:rPr lang="en-US" altLang="ko-KR" sz="7200" dirty="0" smtClean="0">
+                <a:latin typeface="BlackChancery" pitchFamily="2" charset="0"/>
+              </a:rPr>
+              <a:t>End</a:t>
+            </a:r>
+            <a:endParaRPr lang="ko-KR" altLang="en-US" sz="7200" dirty="0">
+              <a:latin typeface="BlackChancery" pitchFamily="2" charset="0"/>
+            </a:endParaRPr>
+          </a:p>
+        </p:txBody>
+      </p:sp>
+    </p:spTree>
+    <p:extLst>
+      <p:ext uri="{BB962C8B-B14F-4D97-AF65-F5344CB8AC3E}">
+        <p14:creationId xmlns:p14="http://schemas.microsoft.com/office/powerpoint/2010/main" val="3269835138"/>
+      </p:ext>
+    </p:extLst>
+  </p:cSld>
+  <p:clrMapOvr>
+    <a:masterClrMapping/>
+  </p:clrMapOvr>
+  <p:timing>
+    <p:tnLst>
+      <p:par>
+        <p:cTn id="1" dur="indefinite" restart="never" nodeType="tmRoot">
+          <p:childTnLst>
+            <p:seq concurrent="1" nextAc="seek">
+              <p:cTn id="2" dur="indefinite" nodeType="mainSeq">
+                <p:childTnLst>
+                  <p:par>
+                    <p:cTn id="3" fill="hold">
+                      <p:stCondLst>
+                        <p:cond delay="indefinite"/>
+                      </p:stCondLst>
+                      <p:childTnLst>
+                        <p:par>
+                          <p:cTn id="4" fill="hold">
+                            <p:stCondLst>
+                              <p:cond delay="0"/>
+                            </p:stCondLst>
+                            <p:childTnLst>
+                              <p:par>
+                                <p:cTn id="5" presetID="10" presetClass="entr" presetSubtype="0" fill="hold" grpId="0" nodeType="clickEffect">
+                                  <p:stCondLst>
+                                    <p:cond delay="0"/>
+                                  </p:stCondLst>
+                                  <p:childTnLst>
+                                    <p:set>
+                                      <p:cBhvr>
+                                        <p:cTn id="6" dur="1" fill="hold">
+                                          <p:stCondLst>
+                                            <p:cond delay="0"/>
+                                          </p:stCondLst>
+                                        </p:cTn>
+                                        <p:tgtEl>
+                                          <p:spTgt spid="4"/>
+                                        </p:tgtEl>
+                                        <p:attrNameLst>
+                                          <p:attrName>style.visibility</p:attrName>
+                                        </p:attrNameLst>
+                                      </p:cBhvr>
+                                      <p:to>
+                                        <p:strVal val="visible"/>
+                                      </p:to>
+                                    </p:set>
+                                    <p:animEffect transition="in" filter="fade">
+                                      <p:cBhvr>
+                                        <p:cTn id="7" dur="500"/>
+                                        <p:tgtEl>
+                                          <p:spTgt spid="4"/>
+                                        </p:tgtEl>
+                                      </p:cBhvr>
+                                    </p:animEffect>
+                                  </p:childTnLst>
+                                </p:cTn>
+                              </p:par>
+                            </p:childTnLst>
+                          </p:cTn>
+                        </p:par>
+                      </p:childTnLst>
+                    </p:cTn>
+                  </p:par>
+                </p:childTnLst>
+              </p:cTn>
+              <p:prevCondLst>
+                <p:cond evt="onPrev" delay="0">
+                  <p:tgtEl>
+                    <p:sldTgt/>
+                  </p:tgtEl>
+                </p:cond>
+              </p:prevCondLst>
+              <p:nextCondLst>
+                <p:cond evt="onNext" delay="0">
+                  <p:tgtEl>
+                    <p:sldTgt/>
+                  </p:tgtEl>
+                </p:cond>
+              </p:nextCondLst>
+            </p:seq>
+          </p:childTnLst>
+        </p:cTn>
+      </p:par>
+    </p:tnLst>
+    <p:bldLst>
+      <p:bldP spid="4" grpId="0"/>
+    </p:bldLst>
+  </p:timing>
 </p:sld>
 </file>
 

--- a/Project/발표.pptx
+++ b/Project/발표.pptx
@@ -3050,12 +3050,6 @@
               </a:rPr>
               <a:t>Window  </a:t>
             </a:r>
-            <a:endParaRPr lang="en-US" altLang="ko-KR" sz="2400" dirty="0" smtClean="0">
-              <a:solidFill>
-                <a:srgbClr val="FF0000"/>
-              </a:solidFill>
-              <a:latin typeface="BlackChancery" pitchFamily="2" charset="0"/>
-            </a:endParaRPr>
           </a:p>
           <a:p>
             <a:r>
@@ -3076,16 +3070,7 @@
                 </a:solidFill>
                 <a:latin typeface="BlackChancery" pitchFamily="2" charset="0"/>
               </a:rPr>
-              <a:t>Final </a:t>
-            </a:r>
-            <a:r>
-              <a:rPr lang="en-US" altLang="ko-KR" sz="2400" dirty="0" smtClean="0">
-                <a:solidFill>
-                  <a:srgbClr val="FF0000"/>
-                </a:solidFill>
-                <a:latin typeface="BlackChancery" pitchFamily="2" charset="0"/>
-              </a:rPr>
-              <a:t>Project</a:t>
+              <a:t>Final Project</a:t>
             </a:r>
             <a:endParaRPr lang="ko-KR" altLang="en-US" sz="2400" dirty="0">
               <a:solidFill>
@@ -4360,24 +4345,56 @@
       </p:sp>
       <p:pic>
         <p:nvPicPr>
-          <p:cNvPr id="11" name="그림 10"/>
-          <p:cNvPicPr/>
+          <p:cNvPr id="9" name="Picture 2"/>
+          <p:cNvPicPr>
+            <a:picLocks noChangeAspect="1" noChangeArrowheads="1"/>
+          </p:cNvPicPr>
           <p:nvPr/>
         </p:nvPicPr>
         <p:blipFill>
-          <a:blip r:embed="rId5"/>
+          <a:blip r:embed="rId5" cstate="print">
+            <a:extLst>
+              <a:ext uri="{28A0092B-C50C-407E-A947-70E740481C1C}">
+                <a14:useLocalDpi xmlns:a14="http://schemas.microsoft.com/office/drawing/2010/main" val="0"/>
+              </a:ext>
+            </a:extLst>
+          </a:blip>
+          <a:srcRect/>
           <a:stretch>
             <a:fillRect/>
           </a:stretch>
         </p:blipFill>
-        <p:spPr>
+        <p:spPr bwMode="auto">
           <a:xfrm>
             <a:off x="4819973" y="456125"/>
-            <a:ext cx="2898000" cy="1890718"/>
+            <a:ext cx="2898000" cy="1890717"/>
           </a:xfrm>
           <a:prstGeom prst="rect">
             <a:avLst/>
           </a:prstGeom>
+          <a:noFill/>
+          <a:ln>
+            <a:noFill/>
+          </a:ln>
+          <a:extLst>
+            <a:ext uri="{909E8E84-426E-40DD-AFC4-6F175D3DCCD1}">
+              <a14:hiddenFill xmlns:a14="http://schemas.microsoft.com/office/drawing/2010/main">
+                <a:solidFill>
+                  <a:schemeClr val="accent1"/>
+                </a:solidFill>
+              </a14:hiddenFill>
+            </a:ext>
+            <a:ext uri="{91240B29-F687-4F45-9708-019B960494DF}">
+              <a14:hiddenLine xmlns:a14="http://schemas.microsoft.com/office/drawing/2010/main" w="9525">
+                <a:solidFill>
+                  <a:schemeClr val="tx1"/>
+                </a:solidFill>
+                <a:miter lim="800000"/>
+                <a:headEnd/>
+                <a:tailEnd/>
+              </a14:hiddenLine>
+            </a:ext>
+          </a:extLst>
         </p:spPr>
       </p:pic>
     </p:spTree>
@@ -5028,7 +5045,12 @@
             <p:ph type="title"/>
           </p:nvPr>
         </p:nvSpPr>
-        <p:spPr/>
+        <p:spPr>
+          <a:xfrm>
+            <a:off x="861447" y="155898"/>
+            <a:ext cx="10515600" cy="1325563"/>
+          </a:xfrm>
+        </p:spPr>
         <p:txBody>
           <a:bodyPr>
             <a:normAutofit/>
@@ -5066,7 +5088,12 @@
             <p:ph idx="1"/>
           </p:nvPr>
         </p:nvSpPr>
-        <p:spPr/>
+        <p:spPr>
+          <a:xfrm>
+            <a:off x="807203" y="1135950"/>
+            <a:ext cx="10515600" cy="5086619"/>
+          </a:xfrm>
+        </p:spPr>
         <p:txBody>
           <a:bodyPr>
             <a:normAutofit/>
@@ -5237,7 +5264,7 @@
           </a:p>
           <a:p>
             <a:r>
-              <a:rPr lang="ko-KR" altLang="en-US" sz="1800">
+              <a:rPr lang="ko-KR" altLang="en-US" sz="1800" dirty="0" smtClean="0">
                 <a:solidFill>
                   <a:srgbClr val="FF0000"/>
                 </a:solidFill>
@@ -5245,6 +5272,203 @@
                 <a:ea typeface="HY목각파임B" panose="02030600000101010101" pitchFamily="18" charset="-127"/>
               </a:rPr>
               <a:t>씬</a:t>
+            </a:r>
+            <a:endParaRPr lang="en-US" altLang="ko-KR" sz="1800" dirty="0" smtClean="0">
+              <a:solidFill>
+                <a:srgbClr val="FF0000"/>
+              </a:solidFill>
+              <a:latin typeface="HY목각파임B" panose="02030600000101010101" pitchFamily="18" charset="-127"/>
+              <a:ea typeface="HY목각파임B" panose="02030600000101010101" pitchFamily="18" charset="-127"/>
+            </a:endParaRPr>
+          </a:p>
+          <a:p>
+            <a:r>
+              <a:rPr lang="en-US" altLang="ko-KR" sz="1800" dirty="0" smtClean="0">
+                <a:solidFill>
+                  <a:srgbClr val="FF0000"/>
+                </a:solidFill>
+                <a:latin typeface="HY목각파임B" panose="02030600000101010101" pitchFamily="18" charset="-127"/>
+                <a:ea typeface="HY목각파임B" panose="02030600000101010101" pitchFamily="18" charset="-127"/>
+              </a:rPr>
+              <a:t>AI </a:t>
+            </a:r>
+            <a:r>
+              <a:rPr lang="ko-KR" altLang="en-US" sz="1800" dirty="0" smtClean="0">
+                <a:solidFill>
+                  <a:srgbClr val="FF0000"/>
+                </a:solidFill>
+                <a:latin typeface="HY목각파임B" panose="02030600000101010101" pitchFamily="18" charset="-127"/>
+                <a:ea typeface="HY목각파임B" panose="02030600000101010101" pitchFamily="18" charset="-127"/>
+              </a:rPr>
+              <a:t>구현</a:t>
+            </a:r>
+            <a:endParaRPr lang="en-US" altLang="ko-KR" sz="1800" dirty="0" smtClean="0">
+              <a:solidFill>
+                <a:srgbClr val="FF0000"/>
+              </a:solidFill>
+              <a:latin typeface="HY목각파임B" panose="02030600000101010101" pitchFamily="18" charset="-127"/>
+              <a:ea typeface="HY목각파임B" panose="02030600000101010101" pitchFamily="18" charset="-127"/>
+            </a:endParaRPr>
+          </a:p>
+          <a:p>
+            <a:pPr marL="0" indent="0">
+              <a:buNone/>
+            </a:pPr>
+            <a:r>
+              <a:rPr lang="en-US" altLang="ko-KR" sz="1800" dirty="0" smtClean="0">
+                <a:solidFill>
+                  <a:srgbClr val="FF0000"/>
+                </a:solidFill>
+                <a:latin typeface="HY목각파임B" panose="02030600000101010101" pitchFamily="18" charset="-127"/>
+                <a:ea typeface="HY목각파임B" panose="02030600000101010101" pitchFamily="18" charset="-127"/>
+              </a:rPr>
+              <a:t>   -</a:t>
+            </a:r>
+            <a:r>
+              <a:rPr lang="ko-KR" altLang="en-US" sz="1800" dirty="0">
+                <a:solidFill>
+                  <a:srgbClr val="FF0000"/>
+                </a:solidFill>
+                <a:latin typeface="HY목각파임B" panose="02030600000101010101" pitchFamily="18" charset="-127"/>
+                <a:ea typeface="HY목각파임B" panose="02030600000101010101" pitchFamily="18" charset="-127"/>
+              </a:rPr>
+              <a:t>적군 </a:t>
+            </a:r>
+            <a:r>
+              <a:rPr lang="ko-KR" altLang="en-US" sz="1800" dirty="0" err="1">
+                <a:solidFill>
+                  <a:srgbClr val="FF0000"/>
+                </a:solidFill>
+                <a:latin typeface="HY목각파임B" panose="02030600000101010101" pitchFamily="18" charset="-127"/>
+                <a:ea typeface="HY목각파임B" panose="02030600000101010101" pitchFamily="18" charset="-127"/>
+              </a:rPr>
+              <a:t>타겟팅</a:t>
+            </a:r>
+            <a:r>
+              <a:rPr lang="ko-KR" altLang="en-US" sz="1800" dirty="0">
+                <a:solidFill>
+                  <a:srgbClr val="FF0000"/>
+                </a:solidFill>
+                <a:latin typeface="HY목각파임B" panose="02030600000101010101" pitchFamily="18" charset="-127"/>
+                <a:ea typeface="HY목각파임B" panose="02030600000101010101" pitchFamily="18" charset="-127"/>
+              </a:rPr>
+              <a:t> </a:t>
+            </a:r>
+            <a:r>
+              <a:rPr lang="en-US" altLang="ko-KR" sz="1800" dirty="0">
+                <a:solidFill>
+                  <a:srgbClr val="FF0000"/>
+                </a:solidFill>
+                <a:latin typeface="HY목각파임B" panose="02030600000101010101" pitchFamily="18" charset="-127"/>
+                <a:ea typeface="HY목각파임B" panose="02030600000101010101" pitchFamily="18" charset="-127"/>
+              </a:rPr>
+              <a:t>3</a:t>
+            </a:r>
+            <a:r>
+              <a:rPr lang="ko-KR" altLang="en-US" sz="1800" dirty="0">
+                <a:solidFill>
+                  <a:srgbClr val="FF0000"/>
+                </a:solidFill>
+                <a:latin typeface="HY목각파임B" panose="02030600000101010101" pitchFamily="18" charset="-127"/>
+                <a:ea typeface="HY목각파임B" panose="02030600000101010101" pitchFamily="18" charset="-127"/>
+              </a:rPr>
+              <a:t>명 이상 </a:t>
+            </a:r>
+            <a:r>
+              <a:rPr lang="en-US" altLang="ko-KR" sz="1800" dirty="0">
+                <a:solidFill>
+                  <a:srgbClr val="FF0000"/>
+                </a:solidFill>
+                <a:latin typeface="HY목각파임B" panose="02030600000101010101" pitchFamily="18" charset="-127"/>
+                <a:ea typeface="HY목각파임B" panose="02030600000101010101" pitchFamily="18" charset="-127"/>
+              </a:rPr>
+              <a:t>X</a:t>
+            </a:r>
+          </a:p>
+          <a:p>
+            <a:pPr marL="0" indent="0">
+              <a:buNone/>
+            </a:pPr>
+            <a:r>
+              <a:rPr lang="en-US" altLang="ko-KR" sz="1800" dirty="0">
+                <a:solidFill>
+                  <a:srgbClr val="FF0000"/>
+                </a:solidFill>
+                <a:latin typeface="HY목각파임B" panose="02030600000101010101" pitchFamily="18" charset="-127"/>
+                <a:ea typeface="HY목각파임B" panose="02030600000101010101" pitchFamily="18" charset="-127"/>
+              </a:rPr>
+              <a:t>   -</a:t>
+            </a:r>
+            <a:r>
+              <a:rPr lang="ko-KR" altLang="en-US" sz="1800" dirty="0">
+                <a:solidFill>
+                  <a:srgbClr val="FF0000"/>
+                </a:solidFill>
+                <a:latin typeface="HY목각파임B" panose="02030600000101010101" pitchFamily="18" charset="-127"/>
+                <a:ea typeface="HY목각파임B" panose="02030600000101010101" pitchFamily="18" charset="-127"/>
+              </a:rPr>
+              <a:t>포물선으로 화살을 날림</a:t>
+            </a:r>
+            <a:endParaRPr lang="en-US" altLang="ko-KR" sz="1800" dirty="0">
+              <a:solidFill>
+                <a:srgbClr val="FF0000"/>
+              </a:solidFill>
+              <a:latin typeface="HY목각파임B" panose="02030600000101010101" pitchFamily="18" charset="-127"/>
+              <a:ea typeface="HY목각파임B" panose="02030600000101010101" pitchFamily="18" charset="-127"/>
+            </a:endParaRPr>
+          </a:p>
+          <a:p>
+            <a:r>
+              <a:rPr lang="ko-KR" altLang="en-US" sz="1800" dirty="0" smtClean="0">
+                <a:solidFill>
+                  <a:srgbClr val="FF0000"/>
+                </a:solidFill>
+                <a:latin typeface="HY목각파임B" panose="02030600000101010101" pitchFamily="18" charset="-127"/>
+                <a:ea typeface="HY목각파임B" panose="02030600000101010101" pitchFamily="18" charset="-127"/>
+              </a:rPr>
+              <a:t>파일 입출력을 이용한 </a:t>
+            </a:r>
+            <a:r>
+              <a:rPr lang="ko-KR" altLang="en-US" sz="1800" dirty="0" err="1" smtClean="0">
+                <a:solidFill>
+                  <a:srgbClr val="FF0000"/>
+                </a:solidFill>
+                <a:latin typeface="HY목각파임B" panose="02030600000101010101" pitchFamily="18" charset="-127"/>
+                <a:ea typeface="HY목각파임B" panose="02030600000101010101" pitchFamily="18" charset="-127"/>
+              </a:rPr>
+              <a:t>트리거</a:t>
+            </a:r>
+            <a:endParaRPr lang="en-US" altLang="ko-KR" sz="1800" dirty="0" smtClean="0">
+              <a:solidFill>
+                <a:srgbClr val="FF0000"/>
+              </a:solidFill>
+              <a:latin typeface="HY목각파임B" panose="02030600000101010101" pitchFamily="18" charset="-127"/>
+              <a:ea typeface="HY목각파임B" panose="02030600000101010101" pitchFamily="18" charset="-127"/>
+            </a:endParaRPr>
+          </a:p>
+          <a:p>
+            <a:pPr marL="0" indent="0">
+              <a:buNone/>
+            </a:pPr>
+            <a:r>
+              <a:rPr lang="en-US" altLang="ko-KR" sz="1800" dirty="0">
+                <a:solidFill>
+                  <a:srgbClr val="FF0000"/>
+                </a:solidFill>
+                <a:latin typeface="HY목각파임B" panose="02030600000101010101" pitchFamily="18" charset="-127"/>
+                <a:ea typeface="HY목각파임B" panose="02030600000101010101" pitchFamily="18" charset="-127"/>
+              </a:rPr>
+              <a:t> </a:t>
+            </a:r>
+            <a:r>
+              <a:rPr lang="en-US" altLang="ko-KR" sz="1800" dirty="0" smtClean="0">
+                <a:solidFill>
+                  <a:srgbClr val="FF0000"/>
+                </a:solidFill>
+                <a:latin typeface="HY목각파임B" panose="02030600000101010101" pitchFamily="18" charset="-127"/>
+                <a:ea typeface="HY목각파임B" panose="02030600000101010101" pitchFamily="18" charset="-127"/>
+              </a:rPr>
+              <a:t>  </a:t>
             </a:r>
             <a:endParaRPr lang="en-US" altLang="ko-KR" sz="1800" dirty="0" smtClean="0">
               <a:solidFill>
@@ -5329,120 +5553,6 @@
           </a:extLst>
         </p:spPr>
       </p:pic>
-      <p:sp>
-        <p:nvSpPr>
-          <p:cNvPr id="4" name="TextBox 3"/>
-          <p:cNvSpPr txBox="1"/>
-          <p:nvPr/>
-        </p:nvSpPr>
-        <p:spPr>
-          <a:xfrm>
-            <a:off x="3864484" y="2030277"/>
-            <a:ext cx="1780772" cy="461665"/>
-          </a:xfrm>
-          <a:prstGeom prst="rect">
-            <a:avLst/>
-          </a:prstGeom>
-          <a:noFill/>
-        </p:spPr>
-        <p:txBody>
-          <a:bodyPr wrap="square" rtlCol="0">
-            <a:spAutoFit/>
-          </a:bodyPr>
-          <a:lstStyle/>
-          <a:p>
-            <a:pPr algn="ctr"/>
-            <a:r>
-              <a:rPr lang="ko-KR" altLang="en-US" sz="2400" dirty="0" smtClean="0">
-                <a:solidFill>
-                  <a:schemeClr val="accent5">
-                    <a:lumMod val="75000"/>
-                  </a:schemeClr>
-                </a:solidFill>
-                <a:latin typeface="HY바다L" panose="02030600000101010101" pitchFamily="18" charset="-127"/>
-                <a:ea typeface="HY바다L" panose="02030600000101010101" pitchFamily="18" charset="-127"/>
-              </a:rPr>
-              <a:t>찬</a:t>
-            </a:r>
-            <a:r>
-              <a:rPr lang="en-US" altLang="ko-KR" sz="2400" dirty="0" smtClean="0">
-                <a:solidFill>
-                  <a:schemeClr val="accent5">
-                    <a:lumMod val="75000"/>
-                  </a:schemeClr>
-                </a:solidFill>
-                <a:latin typeface="HY바다L" panose="02030600000101010101" pitchFamily="18" charset="-127"/>
-                <a:ea typeface="HY바다L" panose="02030600000101010101" pitchFamily="18" charset="-127"/>
-              </a:rPr>
-              <a:t>’s </a:t>
-            </a:r>
-            <a:r>
-              <a:rPr lang="ko-KR" altLang="en-US" sz="2400" dirty="0" smtClean="0">
-                <a:solidFill>
-                  <a:schemeClr val="accent5">
-                    <a:lumMod val="75000"/>
-                  </a:schemeClr>
-                </a:solidFill>
-                <a:latin typeface="HY바다L" panose="02030600000101010101" pitchFamily="18" charset="-127"/>
-                <a:ea typeface="HY바다L" panose="02030600000101010101" pitchFamily="18" charset="-127"/>
-              </a:rPr>
-              <a:t>버스</a:t>
-            </a:r>
-            <a:endParaRPr lang="ko-KR" altLang="en-US" sz="2400" dirty="0">
-              <a:solidFill>
-                <a:schemeClr val="accent5">
-                  <a:lumMod val="75000"/>
-                </a:schemeClr>
-              </a:solidFill>
-              <a:latin typeface="HY바다L" panose="02030600000101010101" pitchFamily="18" charset="-127"/>
-              <a:ea typeface="HY바다L" panose="02030600000101010101" pitchFamily="18" charset="-127"/>
-            </a:endParaRPr>
-          </a:p>
-        </p:txBody>
-      </p:sp>
-      <p:sp>
-        <p:nvSpPr>
-          <p:cNvPr id="6" name="TextBox 5"/>
-          <p:cNvSpPr txBox="1"/>
-          <p:nvPr/>
-        </p:nvSpPr>
-        <p:spPr>
-          <a:xfrm>
-            <a:off x="2255003" y="725165"/>
-            <a:ext cx="4765729" cy="369332"/>
-          </a:xfrm>
-          <a:prstGeom prst="rect">
-            <a:avLst/>
-          </a:prstGeom>
-          <a:noFill/>
-        </p:spPr>
-        <p:txBody>
-          <a:bodyPr wrap="square" rtlCol="0">
-            <a:spAutoFit/>
-          </a:bodyPr>
-          <a:lstStyle/>
-          <a:p>
-            <a:pPr algn="ctr"/>
-            <a:r>
-              <a:rPr lang="ko-KR" altLang="en-US" dirty="0" smtClean="0">
-                <a:solidFill>
-                  <a:srgbClr val="FF0000"/>
-                </a:solidFill>
-                <a:latin typeface="HY목각파임B" panose="02030600000101010101" pitchFamily="18" charset="-127"/>
-                <a:ea typeface="HY목각파임B" panose="02030600000101010101" pitchFamily="18" charset="-127"/>
-              </a:rPr>
-              <a:t>역할 분담</a:t>
-            </a:r>
-            <a:endParaRPr lang="ko-KR" altLang="en-US" dirty="0">
-              <a:solidFill>
-                <a:srgbClr val="FF0000"/>
-              </a:solidFill>
-              <a:latin typeface="HY목각파임B" panose="02030600000101010101" pitchFamily="18" charset="-127"/>
-              <a:ea typeface="HY목각파임B" panose="02030600000101010101" pitchFamily="18" charset="-127"/>
-            </a:endParaRPr>
-          </a:p>
-        </p:txBody>
-      </p:sp>
       <p:pic>
         <p:nvPicPr>
           <p:cNvPr id="2061" name="Picture 13"/>
@@ -5497,6 +5607,150 @@
           </a:extLst>
         </p:spPr>
       </p:pic>
+      <p:sp>
+        <p:nvSpPr>
+          <p:cNvPr id="4" name="TextBox 3"/>
+          <p:cNvSpPr txBox="1"/>
+          <p:nvPr/>
+        </p:nvSpPr>
+        <p:spPr>
+          <a:xfrm>
+            <a:off x="3864484" y="2030277"/>
+            <a:ext cx="1780772" cy="461665"/>
+          </a:xfrm>
+          <a:prstGeom prst="rect">
+            <a:avLst/>
+          </a:prstGeom>
+          <a:noFill/>
+        </p:spPr>
+        <p:txBody>
+          <a:bodyPr wrap="square" rtlCol="0">
+            <a:spAutoFit/>
+          </a:bodyPr>
+          <a:lstStyle/>
+          <a:p>
+            <a:pPr algn="ctr"/>
+            <a:r>
+              <a:rPr lang="ko-KR" altLang="en-US" sz="2400" dirty="0" smtClean="0">
+                <a:solidFill>
+                  <a:schemeClr val="accent5">
+                    <a:lumMod val="75000"/>
+                  </a:schemeClr>
+                </a:solidFill>
+                <a:latin typeface="HY바다L" panose="02030600000101010101" pitchFamily="18" charset="-127"/>
+                <a:ea typeface="HY바다L" panose="02030600000101010101" pitchFamily="18" charset="-127"/>
+              </a:rPr>
+              <a:t>찬</a:t>
+            </a:r>
+            <a:r>
+              <a:rPr lang="en-US" altLang="ko-KR" sz="2400" dirty="0" smtClean="0">
+                <a:solidFill>
+                  <a:schemeClr val="accent5">
+                    <a:lumMod val="75000"/>
+                  </a:schemeClr>
+                </a:solidFill>
+                <a:latin typeface="HY바다L" panose="02030600000101010101" pitchFamily="18" charset="-127"/>
+                <a:ea typeface="HY바다L" panose="02030600000101010101" pitchFamily="18" charset="-127"/>
+              </a:rPr>
+              <a:t>’s </a:t>
+            </a:r>
+            <a:r>
+              <a:rPr lang="ko-KR" altLang="en-US" sz="2400" dirty="0" smtClean="0">
+                <a:solidFill>
+                  <a:schemeClr val="accent5">
+                    <a:lumMod val="75000"/>
+                  </a:schemeClr>
+                </a:solidFill>
+                <a:latin typeface="HY바다L" panose="02030600000101010101" pitchFamily="18" charset="-127"/>
+                <a:ea typeface="HY바다L" panose="02030600000101010101" pitchFamily="18" charset="-127"/>
+              </a:rPr>
+              <a:t>버스</a:t>
+            </a:r>
+            <a:endParaRPr lang="ko-KR" altLang="en-US" sz="2400" dirty="0">
+              <a:solidFill>
+                <a:schemeClr val="accent5">
+                  <a:lumMod val="75000"/>
+                </a:schemeClr>
+              </a:solidFill>
+              <a:latin typeface="HY바다L" panose="02030600000101010101" pitchFamily="18" charset="-127"/>
+              <a:ea typeface="HY바다L" panose="02030600000101010101" pitchFamily="18" charset="-127"/>
+            </a:endParaRPr>
+          </a:p>
+        </p:txBody>
+      </p:sp>
+      <p:sp>
+        <p:nvSpPr>
+          <p:cNvPr id="6" name="TextBox 5"/>
+          <p:cNvSpPr txBox="1"/>
+          <p:nvPr/>
+        </p:nvSpPr>
+        <p:spPr>
+          <a:xfrm>
+            <a:off x="2255003" y="725165"/>
+            <a:ext cx="4765729" cy="369332"/>
+          </a:xfrm>
+          <a:prstGeom prst="rect">
+            <a:avLst/>
+          </a:prstGeom>
+          <a:noFill/>
+        </p:spPr>
+        <p:txBody>
+          <a:bodyPr wrap="square" rtlCol="0">
+            <a:spAutoFit/>
+          </a:bodyPr>
+          <a:lstStyle/>
+          <a:p>
+            <a:pPr algn="ctr"/>
+            <a:r>
+              <a:rPr lang="ko-KR" altLang="en-US" dirty="0" smtClean="0">
+                <a:solidFill>
+                  <a:srgbClr val="FF0000"/>
+                </a:solidFill>
+                <a:latin typeface="HY목각파임B" panose="02030600000101010101" pitchFamily="18" charset="-127"/>
+                <a:ea typeface="HY목각파임B" panose="02030600000101010101" pitchFamily="18" charset="-127"/>
+              </a:rPr>
+              <a:t>역할 분담</a:t>
+            </a:r>
+            <a:endParaRPr lang="ko-KR" altLang="en-US" dirty="0">
+              <a:solidFill>
+                <a:srgbClr val="FF0000"/>
+              </a:solidFill>
+              <a:latin typeface="HY목각파임B" panose="02030600000101010101" pitchFamily="18" charset="-127"/>
+              <a:ea typeface="HY목각파임B" panose="02030600000101010101" pitchFamily="18" charset="-127"/>
+            </a:endParaRPr>
+          </a:p>
+        </p:txBody>
+      </p:sp>
+      <p:sp>
+        <p:nvSpPr>
+          <p:cNvPr id="2" name="TextBox 1"/>
+          <p:cNvSpPr txBox="1"/>
+          <p:nvPr/>
+        </p:nvSpPr>
+        <p:spPr>
+          <a:xfrm>
+            <a:off x="4637867" y="2758698"/>
+            <a:ext cx="458780" cy="369332"/>
+          </a:xfrm>
+          <a:prstGeom prst="rect">
+            <a:avLst/>
+          </a:prstGeom>
+          <a:noFill/>
+        </p:spPr>
+        <p:txBody>
+          <a:bodyPr wrap="none" rtlCol="0">
+            <a:spAutoFit/>
+          </a:bodyPr>
+          <a:lstStyle/>
+          <a:p>
+            <a:r>
+              <a:rPr lang="en-US" altLang="ko-KR" dirty="0" smtClean="0"/>
+              <a:t>…..</a:t>
+            </a:r>
+            <a:endParaRPr lang="ko-KR" altLang="en-US" dirty="0"/>
+          </a:p>
+        </p:txBody>
+      </p:sp>
     </p:spTree>
     <p:extLst>
       <p:ext uri="{BB962C8B-B14F-4D97-AF65-F5344CB8AC3E}">
